--- a/img/프레젠테이션1.pptx
+++ b/img/프레젠테이션1.pptx
@@ -259,7 +259,7 @@
           <a:p>
             <a:fld id="{502A305A-4CF9-4E1E-B890-947EA69A53AA}" type="datetimeFigureOut">
               <a:rPr lang="ko-KR" altLang="en-US" smtClean="0"/>
-              <a:t>2023-07-31</a:t>
+              <a:t>2023-08-01</a:t>
             </a:fld>
             <a:endParaRPr lang="ko-KR" altLang="en-US"/>
           </a:p>
@@ -457,7 +457,7 @@
           <a:p>
             <a:fld id="{502A305A-4CF9-4E1E-B890-947EA69A53AA}" type="datetimeFigureOut">
               <a:rPr lang="ko-KR" altLang="en-US" smtClean="0"/>
-              <a:t>2023-07-31</a:t>
+              <a:t>2023-08-01</a:t>
             </a:fld>
             <a:endParaRPr lang="ko-KR" altLang="en-US"/>
           </a:p>
@@ -665,7 +665,7 @@
           <a:p>
             <a:fld id="{502A305A-4CF9-4E1E-B890-947EA69A53AA}" type="datetimeFigureOut">
               <a:rPr lang="ko-KR" altLang="en-US" smtClean="0"/>
-              <a:t>2023-07-31</a:t>
+              <a:t>2023-08-01</a:t>
             </a:fld>
             <a:endParaRPr lang="ko-KR" altLang="en-US"/>
           </a:p>
@@ -863,7 +863,7 @@
           <a:p>
             <a:fld id="{502A305A-4CF9-4E1E-B890-947EA69A53AA}" type="datetimeFigureOut">
               <a:rPr lang="ko-KR" altLang="en-US" smtClean="0"/>
-              <a:t>2023-07-31</a:t>
+              <a:t>2023-08-01</a:t>
             </a:fld>
             <a:endParaRPr lang="ko-KR" altLang="en-US"/>
           </a:p>
@@ -1138,7 +1138,7 @@
           <a:p>
             <a:fld id="{502A305A-4CF9-4E1E-B890-947EA69A53AA}" type="datetimeFigureOut">
               <a:rPr lang="ko-KR" altLang="en-US" smtClean="0"/>
-              <a:t>2023-07-31</a:t>
+              <a:t>2023-08-01</a:t>
             </a:fld>
             <a:endParaRPr lang="ko-KR" altLang="en-US"/>
           </a:p>
@@ -1403,7 +1403,7 @@
           <a:p>
             <a:fld id="{502A305A-4CF9-4E1E-B890-947EA69A53AA}" type="datetimeFigureOut">
               <a:rPr lang="ko-KR" altLang="en-US" smtClean="0"/>
-              <a:t>2023-07-31</a:t>
+              <a:t>2023-08-01</a:t>
             </a:fld>
             <a:endParaRPr lang="ko-KR" altLang="en-US"/>
           </a:p>
@@ -1815,7 +1815,7 @@
           <a:p>
             <a:fld id="{502A305A-4CF9-4E1E-B890-947EA69A53AA}" type="datetimeFigureOut">
               <a:rPr lang="ko-KR" altLang="en-US" smtClean="0"/>
-              <a:t>2023-07-31</a:t>
+              <a:t>2023-08-01</a:t>
             </a:fld>
             <a:endParaRPr lang="ko-KR" altLang="en-US"/>
           </a:p>
@@ -1956,7 +1956,7 @@
           <a:p>
             <a:fld id="{502A305A-4CF9-4E1E-B890-947EA69A53AA}" type="datetimeFigureOut">
               <a:rPr lang="ko-KR" altLang="en-US" smtClean="0"/>
-              <a:t>2023-07-31</a:t>
+              <a:t>2023-08-01</a:t>
             </a:fld>
             <a:endParaRPr lang="ko-KR" altLang="en-US"/>
           </a:p>
@@ -2069,7 +2069,7 @@
           <a:p>
             <a:fld id="{502A305A-4CF9-4E1E-B890-947EA69A53AA}" type="datetimeFigureOut">
               <a:rPr lang="ko-KR" altLang="en-US" smtClean="0"/>
-              <a:t>2023-07-31</a:t>
+              <a:t>2023-08-01</a:t>
             </a:fld>
             <a:endParaRPr lang="ko-KR" altLang="en-US"/>
           </a:p>
@@ -2380,7 +2380,7 @@
           <a:p>
             <a:fld id="{502A305A-4CF9-4E1E-B890-947EA69A53AA}" type="datetimeFigureOut">
               <a:rPr lang="ko-KR" altLang="en-US" smtClean="0"/>
-              <a:t>2023-07-31</a:t>
+              <a:t>2023-08-01</a:t>
             </a:fld>
             <a:endParaRPr lang="ko-KR" altLang="en-US"/>
           </a:p>
@@ -2668,7 +2668,7 @@
           <a:p>
             <a:fld id="{502A305A-4CF9-4E1E-B890-947EA69A53AA}" type="datetimeFigureOut">
               <a:rPr lang="ko-KR" altLang="en-US" smtClean="0"/>
-              <a:t>2023-07-31</a:t>
+              <a:t>2023-08-01</a:t>
             </a:fld>
             <a:endParaRPr lang="ko-KR" altLang="en-US"/>
           </a:p>
@@ -2909,7 +2909,7 @@
           <a:p>
             <a:fld id="{502A305A-4CF9-4E1E-B890-947EA69A53AA}" type="datetimeFigureOut">
               <a:rPr lang="ko-KR" altLang="en-US" smtClean="0"/>
-              <a:t>2023-07-31</a:t>
+              <a:t>2023-08-01</a:t>
             </a:fld>
             <a:endParaRPr lang="ko-KR" altLang="en-US"/>
           </a:p>
@@ -4330,7 +4330,7 @@
         <p:grpSpPr>
           <a:xfrm>
             <a:off x="3223065" y="3389460"/>
-            <a:ext cx="216987" cy="189719"/>
+            <a:ext cx="108000" cy="108000"/>
             <a:chOff x="4068377" y="3189574"/>
             <a:chExt cx="216987" cy="189719"/>
           </a:xfrm>

--- a/img/프레젠테이션1.pptx
+++ b/img/프레젠테이션1.pptx
@@ -4685,6 +4685,136 @@
           </a:p>
         </p:txBody>
       </p:sp>
+      <p:sp>
+        <p:nvSpPr>
+          <p:cNvPr id="2" name="직사각형 1">
+            <a:extLst>
+              <a:ext uri="{FF2B5EF4-FFF2-40B4-BE49-F238E27FC236}">
+                <a16:creationId xmlns:a16="http://schemas.microsoft.com/office/drawing/2014/main" id="{D281B503-8024-ABCF-90B7-3B7708049B7F}"/>
+              </a:ext>
+            </a:extLst>
+          </p:cNvPr>
+          <p:cNvSpPr/>
+          <p:nvPr/>
+        </p:nvSpPr>
+        <p:spPr>
+          <a:xfrm>
+            <a:off x="6123167" y="2910598"/>
+            <a:ext cx="517109" cy="260348"/>
+          </a:xfrm>
+          <a:prstGeom prst="rect">
+            <a:avLst/>
+          </a:prstGeom>
+          <a:solidFill>
+            <a:schemeClr val="bg1">
+              <a:lumMod val="85000"/>
+            </a:schemeClr>
+          </a:solidFill>
+          <a:ln>
+            <a:solidFill>
+              <a:schemeClr val="tx1"/>
+            </a:solidFill>
+          </a:ln>
+        </p:spPr>
+        <p:style>
+          <a:lnRef idx="2">
+            <a:schemeClr val="accent1">
+              <a:shade val="15000"/>
+            </a:schemeClr>
+          </a:lnRef>
+          <a:fillRef idx="1">
+            <a:schemeClr val="accent1"/>
+          </a:fillRef>
+          <a:effectRef idx="0">
+            <a:schemeClr val="accent1"/>
+          </a:effectRef>
+          <a:fontRef idx="minor">
+            <a:schemeClr val="lt1"/>
+          </a:fontRef>
+        </p:style>
+        <p:txBody>
+          <a:bodyPr rtlCol="0" anchor="ctr"/>
+          <a:lstStyle/>
+          <a:p>
+            <a:pPr algn="ctr"/>
+            <a:r>
+              <a:rPr lang="ko-KR" altLang="en-US" sz="600" dirty="0">
+                <a:solidFill>
+                  <a:schemeClr val="tx1"/>
+                </a:solidFill>
+                <a:latin typeface="나눔고딕" panose="020D0604000000000000" pitchFamily="50" charset="-127"/>
+                <a:ea typeface="나눔고딕" panose="020D0604000000000000" pitchFamily="50" charset="-127"/>
+              </a:rPr>
+              <a:t>계가신청</a:t>
+            </a:r>
+          </a:p>
+        </p:txBody>
+      </p:sp>
+      <p:sp>
+        <p:nvSpPr>
+          <p:cNvPr id="3" name="직사각형 2">
+            <a:extLst>
+              <a:ext uri="{FF2B5EF4-FFF2-40B4-BE49-F238E27FC236}">
+                <a16:creationId xmlns:a16="http://schemas.microsoft.com/office/drawing/2014/main" id="{ED094C17-DFE8-E088-D8B8-383491B1FAC6}"/>
+              </a:ext>
+            </a:extLst>
+          </p:cNvPr>
+          <p:cNvSpPr/>
+          <p:nvPr/>
+        </p:nvSpPr>
+        <p:spPr>
+          <a:xfrm>
+            <a:off x="5449461" y="2910598"/>
+            <a:ext cx="517109" cy="260348"/>
+          </a:xfrm>
+          <a:prstGeom prst="rect">
+            <a:avLst/>
+          </a:prstGeom>
+          <a:solidFill>
+            <a:schemeClr val="bg1">
+              <a:lumMod val="85000"/>
+            </a:schemeClr>
+          </a:solidFill>
+          <a:ln>
+            <a:solidFill>
+              <a:schemeClr val="tx1"/>
+            </a:solidFill>
+          </a:ln>
+        </p:spPr>
+        <p:style>
+          <a:lnRef idx="2">
+            <a:schemeClr val="accent1">
+              <a:shade val="15000"/>
+            </a:schemeClr>
+          </a:lnRef>
+          <a:fillRef idx="1">
+            <a:schemeClr val="accent1"/>
+          </a:fillRef>
+          <a:effectRef idx="0">
+            <a:schemeClr val="accent1"/>
+          </a:effectRef>
+          <a:fontRef idx="minor">
+            <a:schemeClr val="lt1"/>
+          </a:fontRef>
+        </p:style>
+        <p:txBody>
+          <a:bodyPr rtlCol="0" anchor="ctr"/>
+          <a:lstStyle/>
+          <a:p>
+            <a:pPr algn="ctr"/>
+            <a:r>
+              <a:rPr lang="ko-KR" altLang="en-US" sz="600" dirty="0">
+                <a:solidFill>
+                  <a:schemeClr val="tx1"/>
+                </a:solidFill>
+                <a:latin typeface="나눔고딕" panose="020D0604000000000000" pitchFamily="50" charset="-127"/>
+                <a:ea typeface="나눔고딕" panose="020D0604000000000000" pitchFamily="50" charset="-127"/>
+              </a:rPr>
+              <a:t>기권하기</a:t>
+            </a:r>
+          </a:p>
+        </p:txBody>
+      </p:sp>
     </p:spTree>
     <p:extLst>
       <p:ext uri="{BB962C8B-B14F-4D97-AF65-F5344CB8AC3E}">

--- a/img/프레젠테이션1.pptx
+++ b/img/프레젠테이션1.pptx
@@ -259,7 +259,7 @@
           <a:p>
             <a:fld id="{502A305A-4CF9-4E1E-B890-947EA69A53AA}" type="datetimeFigureOut">
               <a:rPr lang="ko-KR" altLang="en-US" smtClean="0"/>
-              <a:t>2023-08-01</a:t>
+              <a:t>2023-08-03</a:t>
             </a:fld>
             <a:endParaRPr lang="ko-KR" altLang="en-US"/>
           </a:p>
@@ -457,7 +457,7 @@
           <a:p>
             <a:fld id="{502A305A-4CF9-4E1E-B890-947EA69A53AA}" type="datetimeFigureOut">
               <a:rPr lang="ko-KR" altLang="en-US" smtClean="0"/>
-              <a:t>2023-08-01</a:t>
+              <a:t>2023-08-03</a:t>
             </a:fld>
             <a:endParaRPr lang="ko-KR" altLang="en-US"/>
           </a:p>
@@ -665,7 +665,7 @@
           <a:p>
             <a:fld id="{502A305A-4CF9-4E1E-B890-947EA69A53AA}" type="datetimeFigureOut">
               <a:rPr lang="ko-KR" altLang="en-US" smtClean="0"/>
-              <a:t>2023-08-01</a:t>
+              <a:t>2023-08-03</a:t>
             </a:fld>
             <a:endParaRPr lang="ko-KR" altLang="en-US"/>
           </a:p>
@@ -863,7 +863,7 @@
           <a:p>
             <a:fld id="{502A305A-4CF9-4E1E-B890-947EA69A53AA}" type="datetimeFigureOut">
               <a:rPr lang="ko-KR" altLang="en-US" smtClean="0"/>
-              <a:t>2023-08-01</a:t>
+              <a:t>2023-08-03</a:t>
             </a:fld>
             <a:endParaRPr lang="ko-KR" altLang="en-US"/>
           </a:p>
@@ -1138,7 +1138,7 @@
           <a:p>
             <a:fld id="{502A305A-4CF9-4E1E-B890-947EA69A53AA}" type="datetimeFigureOut">
               <a:rPr lang="ko-KR" altLang="en-US" smtClean="0"/>
-              <a:t>2023-08-01</a:t>
+              <a:t>2023-08-03</a:t>
             </a:fld>
             <a:endParaRPr lang="ko-KR" altLang="en-US"/>
           </a:p>
@@ -1403,7 +1403,7 @@
           <a:p>
             <a:fld id="{502A305A-4CF9-4E1E-B890-947EA69A53AA}" type="datetimeFigureOut">
               <a:rPr lang="ko-KR" altLang="en-US" smtClean="0"/>
-              <a:t>2023-08-01</a:t>
+              <a:t>2023-08-03</a:t>
             </a:fld>
             <a:endParaRPr lang="ko-KR" altLang="en-US"/>
           </a:p>
@@ -1815,7 +1815,7 @@
           <a:p>
             <a:fld id="{502A305A-4CF9-4E1E-B890-947EA69A53AA}" type="datetimeFigureOut">
               <a:rPr lang="ko-KR" altLang="en-US" smtClean="0"/>
-              <a:t>2023-08-01</a:t>
+              <a:t>2023-08-03</a:t>
             </a:fld>
             <a:endParaRPr lang="ko-KR" altLang="en-US"/>
           </a:p>
@@ -1956,7 +1956,7 @@
           <a:p>
             <a:fld id="{502A305A-4CF9-4E1E-B890-947EA69A53AA}" type="datetimeFigureOut">
               <a:rPr lang="ko-KR" altLang="en-US" smtClean="0"/>
-              <a:t>2023-08-01</a:t>
+              <a:t>2023-08-03</a:t>
             </a:fld>
             <a:endParaRPr lang="ko-KR" altLang="en-US"/>
           </a:p>
@@ -2069,7 +2069,7 @@
           <a:p>
             <a:fld id="{502A305A-4CF9-4E1E-B890-947EA69A53AA}" type="datetimeFigureOut">
               <a:rPr lang="ko-KR" altLang="en-US" smtClean="0"/>
-              <a:t>2023-08-01</a:t>
+              <a:t>2023-08-03</a:t>
             </a:fld>
             <a:endParaRPr lang="ko-KR" altLang="en-US"/>
           </a:p>
@@ -2380,7 +2380,7 @@
           <a:p>
             <a:fld id="{502A305A-4CF9-4E1E-B890-947EA69A53AA}" type="datetimeFigureOut">
               <a:rPr lang="ko-KR" altLang="en-US" smtClean="0"/>
-              <a:t>2023-08-01</a:t>
+              <a:t>2023-08-03</a:t>
             </a:fld>
             <a:endParaRPr lang="ko-KR" altLang="en-US"/>
           </a:p>
@@ -2668,7 +2668,7 @@
           <a:p>
             <a:fld id="{502A305A-4CF9-4E1E-B890-947EA69A53AA}" type="datetimeFigureOut">
               <a:rPr lang="ko-KR" altLang="en-US" smtClean="0"/>
-              <a:t>2023-08-01</a:t>
+              <a:t>2023-08-03</a:t>
             </a:fld>
             <a:endParaRPr lang="ko-KR" altLang="en-US"/>
           </a:p>
@@ -2909,7 +2909,7 @@
           <a:p>
             <a:fld id="{502A305A-4CF9-4E1E-B890-947EA69A53AA}" type="datetimeFigureOut">
               <a:rPr lang="ko-KR" altLang="en-US" smtClean="0"/>
-              <a:t>2023-08-01</a:t>
+              <a:t>2023-08-03</a:t>
             </a:fld>
             <a:endParaRPr lang="ko-KR" altLang="en-US"/>
           </a:p>
@@ -4330,7 +4330,7 @@
         <p:grpSpPr>
           <a:xfrm>
             <a:off x="3223065" y="3389460"/>
-            <a:ext cx="108000" cy="108000"/>
+            <a:ext cx="144000" cy="144000"/>
             <a:chOff x="4068377" y="3189574"/>
             <a:chExt cx="216987" cy="189719"/>
           </a:xfrm>
@@ -4628,7 +4628,7 @@
         </p:nvSpPr>
         <p:spPr>
           <a:xfrm>
-            <a:off x="3824816" y="2838598"/>
+            <a:off x="4379658" y="3004984"/>
             <a:ext cx="144000" cy="144000"/>
           </a:xfrm>
           <a:prstGeom prst="ellipse">
